--- a/Practical use of decorators in Python.pptx
+++ b/Practical use of decorators in Python.pptx
@@ -5,7 +5,7 @@
     <p:sldMasterId id="2147483751" r:id="rId1"/>
   </p:sldMasterIdLst>
   <p:notesMasterIdLst>
-    <p:notesMasterId r:id="rId31"/>
+    <p:notesMasterId r:id="rId32"/>
   </p:notesMasterIdLst>
   <p:sldIdLst>
     <p:sldId id="259" r:id="rId2"/>
@@ -29,14 +29,15 @@
     <p:sldId id="286" r:id="rId20"/>
     <p:sldId id="288" r:id="rId21"/>
     <p:sldId id="287" r:id="rId22"/>
-    <p:sldId id="290" r:id="rId23"/>
-    <p:sldId id="291" r:id="rId24"/>
-    <p:sldId id="292" r:id="rId25"/>
-    <p:sldId id="293" r:id="rId26"/>
-    <p:sldId id="280" r:id="rId27"/>
-    <p:sldId id="279" r:id="rId28"/>
-    <p:sldId id="278" r:id="rId29"/>
-    <p:sldId id="282" r:id="rId30"/>
+    <p:sldId id="295" r:id="rId23"/>
+    <p:sldId id="290" r:id="rId24"/>
+    <p:sldId id="291" r:id="rId25"/>
+    <p:sldId id="292" r:id="rId26"/>
+    <p:sldId id="293" r:id="rId27"/>
+    <p:sldId id="280" r:id="rId28"/>
+    <p:sldId id="279" r:id="rId29"/>
+    <p:sldId id="278" r:id="rId30"/>
+    <p:sldId id="282" r:id="rId31"/>
   </p:sldIdLst>
   <p:sldSz cx="12192000" cy="6858000"/>
   <p:notesSz cx="6858000" cy="9144000"/>
@@ -135,6 +136,11 @@
       </a:defRPr>
     </a:lvl9pPr>
   </p:defaultTextStyle>
+  <p:extLst>
+    <p:ext uri="{EFAFB233-063F-42B5-8137-9DF3F51BA10A}">
+      <p15:sldGuideLst xmlns:p15="http://schemas.microsoft.com/office/powerpoint/2012/main"/>
+    </p:ext>
+  </p:extLst>
 </p:presentation>
 </file>
 
@@ -7289,7 +7295,7 @@
           <a:p>
             <a:fld id="{27900DA9-0E13-46AC-98D4-6ABAC4222E9A}" type="datetimeFigureOut">
               <a:rPr lang="en-US" smtClean="0"/>
-              <a:t>5/11/2023</a:t>
+              <a:t>5/18/2023</a:t>
             </a:fld>
             <a:endParaRPr lang="en-US"/>
           </a:p>
@@ -7723,7 +7729,7 @@
           <a:p>
             <a:fld id="{345F9D20-9152-4F77-A403-EFE3427A3EE7}" type="slidenum">
               <a:rPr lang="en-US" smtClean="0"/>
-              <a:t>25</a:t>
+              <a:t>26</a:t>
             </a:fld>
             <a:endParaRPr lang="en-US"/>
           </a:p>
@@ -7964,7 +7970,7 @@
             <a:fld id="{A37D6D71-8B28-4ED6-B932-04B197003D23}" type="datetimeFigureOut">
               <a:rPr lang="en-US" smtClean="0"/>
               <a:pPr algn="r"/>
-              <a:t>5/11/2023</a:t>
+              <a:t>5/18/2023</a:t>
             </a:fld>
             <a:endParaRPr lang="en-US" dirty="0"/>
           </a:p>
@@ -8186,7 +8192,7 @@
             <a:fld id="{A37D6D71-8B28-4ED6-B932-04B197003D23}" type="datetimeFigureOut">
               <a:rPr lang="en-US" smtClean="0"/>
               <a:pPr algn="r"/>
-              <a:t>5/11/2023</a:t>
+              <a:t>5/18/2023</a:t>
             </a:fld>
             <a:endParaRPr lang="en-US" dirty="0"/>
           </a:p>
@@ -8469,7 +8475,7 @@
             <a:fld id="{A37D6D71-8B28-4ED6-B932-04B197003D23}" type="datetimeFigureOut">
               <a:rPr lang="en-US" smtClean="0"/>
               <a:pPr algn="r"/>
-              <a:t>5/11/2023</a:t>
+              <a:t>5/18/2023</a:t>
             </a:fld>
             <a:endParaRPr lang="en-US" dirty="0"/>
           </a:p>
@@ -8683,7 +8689,7 @@
             <a:fld id="{A37D6D71-8B28-4ED6-B932-04B197003D23}" type="datetimeFigureOut">
               <a:rPr lang="en-US" smtClean="0"/>
               <a:pPr algn="r"/>
-              <a:t>5/11/2023</a:t>
+              <a:t>5/18/2023</a:t>
             </a:fld>
             <a:endParaRPr lang="en-US" dirty="0"/>
           </a:p>
@@ -9021,7 +9027,7 @@
             <a:fld id="{A37D6D71-8B28-4ED6-B932-04B197003D23}" type="datetimeFigureOut">
               <a:rPr lang="en-US" smtClean="0"/>
               <a:pPr algn="r"/>
-              <a:t>5/11/2023</a:t>
+              <a:t>5/18/2023</a:t>
             </a:fld>
             <a:endParaRPr lang="en-US" dirty="0"/>
           </a:p>
@@ -9296,7 +9302,7 @@
             <a:fld id="{A37D6D71-8B28-4ED6-B932-04B197003D23}" type="datetimeFigureOut">
               <a:rPr lang="en-US" smtClean="0"/>
               <a:pPr algn="r"/>
-              <a:t>5/11/2023</a:t>
+              <a:t>5/18/2023</a:t>
             </a:fld>
             <a:endParaRPr lang="en-US" dirty="0"/>
           </a:p>
@@ -9685,7 +9691,7 @@
             <a:fld id="{A37D6D71-8B28-4ED6-B932-04B197003D23}" type="datetimeFigureOut">
               <a:rPr lang="en-US" smtClean="0"/>
               <a:pPr algn="r"/>
-              <a:t>5/11/2023</a:t>
+              <a:t>5/18/2023</a:t>
             </a:fld>
             <a:endParaRPr lang="en-US" dirty="0"/>
           </a:p>
@@ -9862,7 +9868,7 @@
             <a:fld id="{A37D6D71-8B28-4ED6-B932-04B197003D23}" type="datetimeFigureOut">
               <a:rPr lang="en-US" smtClean="0"/>
               <a:pPr algn="r"/>
-              <a:t>5/11/2023</a:t>
+              <a:t>5/18/2023</a:t>
             </a:fld>
             <a:endParaRPr lang="en-US" dirty="0"/>
           </a:p>
@@ -9983,7 +9989,7 @@
             <a:fld id="{A37D6D71-8B28-4ED6-B932-04B197003D23}" type="datetimeFigureOut">
               <a:rPr lang="en-US" smtClean="0"/>
               <a:pPr algn="r"/>
-              <a:t>5/11/2023</a:t>
+              <a:t>5/18/2023</a:t>
             </a:fld>
             <a:endParaRPr lang="en-US" dirty="0"/>
           </a:p>
@@ -10268,7 +10274,7 @@
             <a:fld id="{A37D6D71-8B28-4ED6-B932-04B197003D23}" type="datetimeFigureOut">
               <a:rPr lang="en-US" smtClean="0"/>
               <a:pPr algn="r"/>
-              <a:t>5/11/2023</a:t>
+              <a:t>5/18/2023</a:t>
             </a:fld>
             <a:endParaRPr lang="en-US" dirty="0"/>
           </a:p>
@@ -10569,7 +10575,7 @@
             <a:fld id="{A37D6D71-8B28-4ED6-B932-04B197003D23}" type="datetimeFigureOut">
               <a:rPr lang="en-US" smtClean="0"/>
               <a:pPr algn="r"/>
-              <a:t>5/11/2023</a:t>
+              <a:t>5/18/2023</a:t>
             </a:fld>
             <a:endParaRPr lang="en-US" dirty="0"/>
           </a:p>
@@ -10917,7 +10923,7 @@
             <a:fld id="{A37D6D71-8B28-4ED6-B932-04B197003D23}" type="datetimeFigureOut">
               <a:rPr lang="en-US" smtClean="0"/>
               <a:pPr algn="r"/>
-              <a:t>5/11/2023</a:t>
+              <a:t>5/18/2023</a:t>
             </a:fld>
             <a:endParaRPr lang="en-US" spc="50" dirty="0"/>
           </a:p>
@@ -18017,6 +18023,172 @@
     <p:bg>
       <p:bgPr>
         <a:solidFill>
+          <a:schemeClr val="tx1">
+            <a:lumMod val="95000"/>
+            <a:lumOff val="5000"/>
+          </a:schemeClr>
+        </a:solidFill>
+        <a:effectLst/>
+      </p:bgPr>
+    </p:bg>
+    <p:spTree>
+      <p:nvGrpSpPr>
+        <p:cNvPr id="1" name=""/>
+        <p:cNvGrpSpPr/>
+        <p:nvPr/>
+      </p:nvGrpSpPr>
+      <p:grpSpPr>
+        <a:xfrm>
+          <a:off x="0" y="0"/>
+          <a:ext cx="0" cy="0"/>
+          <a:chOff x="0" y="0"/>
+          <a:chExt cx="0" cy="0"/>
+        </a:xfrm>
+      </p:grpSpPr>
+      <p:sp>
+        <p:nvSpPr>
+          <p:cNvPr id="4" name="Title 3">
+            <a:extLst>
+              <a:ext uri="{FF2B5EF4-FFF2-40B4-BE49-F238E27FC236}">
+                <a16:creationId xmlns:a16="http://schemas.microsoft.com/office/drawing/2014/main" id="{8B42AD50-26F5-4551-98F7-8AD227F222C0}"/>
+              </a:ext>
+            </a:extLst>
+          </p:cNvPr>
+          <p:cNvSpPr>
+            <a:spLocks noGrp="1"/>
+          </p:cNvSpPr>
+          <p:nvPr>
+            <p:ph type="title"/>
+          </p:nvPr>
+        </p:nvSpPr>
+        <p:spPr>
+          <a:xfrm>
+            <a:off x="386499" y="-1"/>
+            <a:ext cx="1941922" cy="6858001"/>
+          </a:xfrm>
+        </p:spPr>
+        <p:txBody>
+          <a:bodyPr vert="vert270"/>
+          <a:lstStyle/>
+          <a:p>
+            <a:pPr algn="ctr"/>
+            <a:r>
+              <a:rPr lang="pl-PL"/>
+              <a:t>Other examples</a:t>
+            </a:r>
+            <a:endParaRPr lang="en-US"/>
+          </a:p>
+        </p:txBody>
+      </p:sp>
+      <p:pic>
+        <p:nvPicPr>
+          <p:cNvPr id="6" name="Picture 5">
+            <a:extLst>
+              <a:ext uri="{FF2B5EF4-FFF2-40B4-BE49-F238E27FC236}">
+                <a16:creationId xmlns:a16="http://schemas.microsoft.com/office/drawing/2014/main" id="{4890FC83-7197-48C4-942E-86C262117E8A}"/>
+              </a:ext>
+            </a:extLst>
+          </p:cNvPr>
+          <p:cNvPicPr>
+            <a:picLocks noChangeAspect="1"/>
+          </p:cNvPicPr>
+          <p:nvPr/>
+        </p:nvPicPr>
+        <p:blipFill>
+          <a:blip r:embed="rId2"/>
+          <a:stretch>
+            <a:fillRect/>
+          </a:stretch>
+        </p:blipFill>
+        <p:spPr>
+          <a:xfrm>
+            <a:off x="6913108" y="661986"/>
+            <a:ext cx="4200525" cy="3724275"/>
+          </a:xfrm>
+          <a:prstGeom prst="rect">
+            <a:avLst/>
+          </a:prstGeom>
+        </p:spPr>
+      </p:pic>
+      <p:pic>
+        <p:nvPicPr>
+          <p:cNvPr id="9" name="Picture 8">
+            <a:extLst>
+              <a:ext uri="{FF2B5EF4-FFF2-40B4-BE49-F238E27FC236}">
+                <a16:creationId xmlns:a16="http://schemas.microsoft.com/office/drawing/2014/main" id="{8FE155C8-C5EA-4BDC-8EB1-5AC047513DBF}"/>
+              </a:ext>
+            </a:extLst>
+          </p:cNvPr>
+          <p:cNvPicPr>
+            <a:picLocks noChangeAspect="1"/>
+          </p:cNvPicPr>
+          <p:nvPr/>
+        </p:nvPicPr>
+        <p:blipFill>
+          <a:blip r:embed="rId3"/>
+          <a:stretch>
+            <a:fillRect/>
+          </a:stretch>
+        </p:blipFill>
+        <p:spPr>
+          <a:xfrm>
+            <a:off x="2104344" y="661986"/>
+            <a:ext cx="4543425" cy="5010150"/>
+          </a:xfrm>
+          <a:prstGeom prst="rect">
+            <a:avLst/>
+          </a:prstGeom>
+        </p:spPr>
+      </p:pic>
+      <p:pic>
+        <p:nvPicPr>
+          <p:cNvPr id="11" name="Picture 10">
+            <a:extLst>
+              <a:ext uri="{FF2B5EF4-FFF2-40B4-BE49-F238E27FC236}">
+                <a16:creationId xmlns:a16="http://schemas.microsoft.com/office/drawing/2014/main" id="{745A9B6E-7040-4318-9E89-12DFF54BA892}"/>
+              </a:ext>
+            </a:extLst>
+          </p:cNvPr>
+          <p:cNvPicPr>
+            <a:picLocks noChangeAspect="1"/>
+          </p:cNvPicPr>
+          <p:nvPr/>
+        </p:nvPicPr>
+        <p:blipFill>
+          <a:blip r:embed="rId4"/>
+          <a:stretch>
+            <a:fillRect/>
+          </a:stretch>
+        </p:blipFill>
+        <p:spPr>
+          <a:xfrm>
+            <a:off x="7865607" y="4599214"/>
+            <a:ext cx="2295525" cy="1752600"/>
+          </a:xfrm>
+          <a:prstGeom prst="rect">
+            <a:avLst/>
+          </a:prstGeom>
+        </p:spPr>
+      </p:pic>
+    </p:spTree>
+    <p:extLst>
+      <p:ext uri="{BB962C8B-B14F-4D97-AF65-F5344CB8AC3E}">
+        <p14:creationId xmlns:p14="http://schemas.microsoft.com/office/powerpoint/2010/main" val="1759515973"/>
+      </p:ext>
+    </p:extLst>
+  </p:cSld>
+  <p:clrMapOvr>
+    <a:masterClrMapping/>
+  </p:clrMapOvr>
+</p:sld>
+</file>
+
+<file path=ppt/slides/slide23.xml><?xml version="1.0" encoding="utf-8"?>
+<p:sld xmlns:a="http://schemas.openxmlformats.org/drawingml/2006/main" xmlns:r="http://schemas.openxmlformats.org/officeDocument/2006/relationships" xmlns:p="http://schemas.openxmlformats.org/presentationml/2006/main">
+  <p:cSld>
+    <p:bg>
+      <p:bgPr>
+        <a:solidFill>
           <a:srgbClr val="1E1E1E"/>
         </a:solidFill>
         <a:effectLst/>
@@ -18513,7 +18685,7 @@
 </p:sld>
 </file>
 
-<file path=ppt/slides/slide23.xml><?xml version="1.0" encoding="utf-8"?>
+<file path=ppt/slides/slide24.xml><?xml version="1.0" encoding="utf-8"?>
 <p:sld xmlns:a="http://schemas.openxmlformats.org/drawingml/2006/main" xmlns:r="http://schemas.openxmlformats.org/officeDocument/2006/relationships" xmlns:p="http://schemas.openxmlformats.org/presentationml/2006/main">
   <p:cSld>
     <p:bg>
@@ -18756,7 +18928,31 @@
                   <a:srgbClr val="DBDB9C"/>
                 </a:solidFill>
               </a:rPr>
-              <a:t>Atexit</a:t>
+              <a:t>A</a:t>
+            </a:r>
+            <a:r>
+              <a:rPr lang="pl-PL" sz="6600" u="sng">
+                <a:solidFill>
+                  <a:srgbClr val="DBDB9C"/>
+                </a:solidFill>
+              </a:rPr>
+              <a:t>tex</a:t>
+            </a:r>
+            <a:r>
+              <a:rPr lang="pl-PL" sz="6600">
+                <a:solidFill>
+                  <a:srgbClr val="DBDB9C"/>
+                </a:solidFill>
+              </a:rPr>
+              <a:t>i</a:t>
+            </a:r>
+            <a:r>
+              <a:rPr lang="pl-PL" sz="6600" u="sng">
+                <a:solidFill>
+                  <a:srgbClr val="DBDB9C"/>
+                </a:solidFill>
+              </a:rPr>
+              <a:t>t</a:t>
             </a:r>
             <a:br>
               <a:rPr lang="pl-PL" sz="4000">
@@ -18927,7 +19123,7 @@
 </p:sld>
 </file>
 
-<file path=ppt/slides/slide24.xml><?xml version="1.0" encoding="utf-8"?>
+<file path=ppt/slides/slide25.xml><?xml version="1.0" encoding="utf-8"?>
 <p:sld xmlns:a="http://schemas.openxmlformats.org/drawingml/2006/main" xmlns:r="http://schemas.openxmlformats.org/officeDocument/2006/relationships" xmlns:p="http://schemas.openxmlformats.org/presentationml/2006/main">
   <p:cSld>
     <p:bg>
@@ -19250,7 +19446,29 @@
                 <a:ea typeface="+mj-ea"/>
                 <a:cs typeface="+mj-cs"/>
               </a:rPr>
-              <a:t>@Logger</a:t>
+              <a:t>@Lo</a:t>
+            </a:r>
+            <a:r>
+              <a:rPr lang="pl-PL" sz="4860" u="sng" kern="1200" cap="all" spc="97" baseline="0">
+                <a:solidFill>
+                  <a:srgbClr val="BF2558"/>
+                </a:solidFill>
+                <a:latin typeface="+mj-lt"/>
+                <a:ea typeface="+mj-ea"/>
+                <a:cs typeface="+mj-cs"/>
+              </a:rPr>
+              <a:t>gg</a:t>
+            </a:r>
+            <a:r>
+              <a:rPr lang="pl-PL" sz="4860" kern="1200" cap="all" spc="97" baseline="0">
+                <a:solidFill>
+                  <a:srgbClr val="BF2558"/>
+                </a:solidFill>
+                <a:latin typeface="+mj-lt"/>
+                <a:ea typeface="+mj-ea"/>
+                <a:cs typeface="+mj-cs"/>
+              </a:rPr>
+              <a:t>er</a:t>
             </a:r>
             <a:r>
               <a:rPr lang="pl-PL" sz="4860" kern="1200" cap="all" spc="97" baseline="0">
@@ -19390,7 +19608,7 @@
 </p:sld>
 </file>
 
-<file path=ppt/slides/slide25.xml><?xml version="1.0" encoding="utf-8"?>
+<file path=ppt/slides/slide26.xml><?xml version="1.0" encoding="utf-8"?>
 <p:sld xmlns:a="http://schemas.openxmlformats.org/drawingml/2006/main" xmlns:r="http://schemas.openxmlformats.org/officeDocument/2006/relationships" xmlns:p="http://schemas.openxmlformats.org/presentationml/2006/main">
   <p:cSld>
     <p:bg>
@@ -19638,10 +19856,20 @@
                   </a:schemeClr>
                 </a:solidFill>
               </a:rPr>
-              <a:t>Custom</a:t>
-            </a:r>
-            <a:r>
-              <a:rPr lang="en-US"/>
+              <a:t>Cus</a:t>
+            </a:r>
+            <a:r>
+              <a:rPr lang="en-US" u="sng">
+                <a:solidFill>
+                  <a:schemeClr val="bg1">
+                    <a:lumMod val="65000"/>
+                  </a:schemeClr>
+                </a:solidFill>
+              </a:rPr>
+              <a:t>tom</a:t>
+            </a:r>
+            <a:r>
+              <a:rPr lang="en-US" u="sng"/>
               <a:t> </a:t>
             </a:r>
             <a:r>
@@ -19765,7 +19993,7 @@
 </p:sld>
 </file>
 
-<file path=ppt/slides/slide26.xml><?xml version="1.0" encoding="utf-8"?>
+<file path=ppt/slides/slide27.xml><?xml version="1.0" encoding="utf-8"?>
 <p:sld xmlns:a="http://schemas.openxmlformats.org/drawingml/2006/main" xmlns:r="http://schemas.openxmlformats.org/officeDocument/2006/relationships" xmlns:p="http://schemas.openxmlformats.org/presentationml/2006/main">
   <p:cSld>
     <p:bg>
@@ -20042,7 +20270,7 @@
 </p:sld>
 </file>
 
-<file path=ppt/slides/slide27.xml><?xml version="1.0" encoding="utf-8"?>
+<file path=ppt/slides/slide28.xml><?xml version="1.0" encoding="utf-8"?>
 <p:sld xmlns:a="http://schemas.openxmlformats.org/drawingml/2006/main" xmlns:r="http://schemas.openxmlformats.org/officeDocument/2006/relationships" xmlns:p="http://schemas.openxmlformats.org/presentationml/2006/main">
   <p:cSld>
     <p:bg>
@@ -20197,7 +20425,7 @@
 </p:sld>
 </file>
 
-<file path=ppt/slides/slide28.xml><?xml version="1.0" encoding="utf-8"?>
+<file path=ppt/slides/slide29.xml><?xml version="1.0" encoding="utf-8"?>
 <p:sld xmlns:a="http://schemas.openxmlformats.org/drawingml/2006/main" xmlns:r="http://schemas.openxmlformats.org/officeDocument/2006/relationships" xmlns:p="http://schemas.openxmlformats.org/presentationml/2006/main">
   <p:cSld>
     <p:bg>
@@ -20491,7 +20719,392 @@
 </p:sld>
 </file>
 
-<file path=ppt/slides/slide29.xml><?xml version="1.0" encoding="utf-8"?>
+<file path=ppt/slides/slide3.xml><?xml version="1.0" encoding="utf-8"?>
+<p:sld xmlns:a="http://schemas.openxmlformats.org/drawingml/2006/main" xmlns:r="http://schemas.openxmlformats.org/officeDocument/2006/relationships" xmlns:p="http://schemas.openxmlformats.org/presentationml/2006/main">
+  <p:cSld>
+    <p:bg>
+      <p:bgPr>
+        <a:solidFill>
+          <a:schemeClr val="bg1"/>
+        </a:solidFill>
+        <a:effectLst/>
+      </p:bgPr>
+    </p:bg>
+    <p:spTree>
+      <p:nvGrpSpPr>
+        <p:cNvPr id="1" name=""/>
+        <p:cNvGrpSpPr/>
+        <p:nvPr/>
+      </p:nvGrpSpPr>
+      <p:grpSpPr>
+        <a:xfrm>
+          <a:off x="0" y="0"/>
+          <a:ext cx="0" cy="0"/>
+          <a:chOff x="0" y="0"/>
+          <a:chExt cx="0" cy="0"/>
+        </a:xfrm>
+      </p:grpSpPr>
+      <p:sp useBgFill="1">
+        <p:nvSpPr>
+          <p:cNvPr id="8" name="Rectangle 7">
+            <a:extLst>
+              <a:ext uri="{FF2B5EF4-FFF2-40B4-BE49-F238E27FC236}">
+                <a16:creationId xmlns:a16="http://schemas.microsoft.com/office/drawing/2014/main" id="{EB6D1D7F-141C-4D8E-BFBA-D95B68E16385}"/>
+              </a:ext>
+              <a:ext uri="{C183D7F6-B498-43B3-948B-1728B52AA6E4}">
+                <adec:decorative xmlns:adec="http://schemas.microsoft.com/office/drawing/2017/decorative" val="1"/>
+              </a:ext>
+            </a:extLst>
+          </p:cNvPr>
+          <p:cNvSpPr>
+            <a:spLocks noGrp="1" noRot="1" noChangeAspect="1" noMove="1" noResize="1" noEditPoints="1" noAdjustHandles="1" noChangeArrowheads="1" noChangeShapeType="1" noTextEdit="1"/>
+          </p:cNvSpPr>
+          <p:nvPr>
+            <p:extLst>
+              <p:ext uri="{386F3935-93C4-4BCD-93E2-E3B085C9AB24}">
+                <p16:designElem xmlns:p16="http://schemas.microsoft.com/office/powerpoint/2015/main" val="1"/>
+              </p:ext>
+            </p:extLst>
+          </p:nvPr>
+        </p:nvSpPr>
+        <p:spPr>
+          <a:xfrm>
+            <a:off x="1524" y="0"/>
+            <a:ext cx="12188952" cy="6858000"/>
+          </a:xfrm>
+          <a:prstGeom prst="rect">
+            <a:avLst/>
+          </a:prstGeom>
+          <a:ln>
+            <a:noFill/>
+          </a:ln>
+        </p:spPr>
+        <p:style>
+          <a:lnRef idx="2">
+            <a:schemeClr val="accent1">
+              <a:shade val="50000"/>
+            </a:schemeClr>
+          </a:lnRef>
+          <a:fillRef idx="1">
+            <a:schemeClr val="accent1"/>
+          </a:fillRef>
+          <a:effectRef idx="0">
+            <a:schemeClr val="accent1"/>
+          </a:effectRef>
+          <a:fontRef idx="minor">
+            <a:schemeClr val="lt1"/>
+          </a:fontRef>
+        </p:style>
+        <p:txBody>
+          <a:bodyPr rtlCol="0" anchor="ctr"/>
+          <a:lstStyle/>
+          <a:p>
+            <a:pPr algn="ctr"/>
+            <a:endParaRPr lang="en-US"/>
+          </a:p>
+        </p:txBody>
+      </p:sp>
+      <p:sp>
+        <p:nvSpPr>
+          <p:cNvPr id="10" name="Rectangle 9">
+            <a:extLst>
+              <a:ext uri="{FF2B5EF4-FFF2-40B4-BE49-F238E27FC236}">
+                <a16:creationId xmlns:a16="http://schemas.microsoft.com/office/drawing/2014/main" id="{95E5AED1-65AD-42CA-A3F0-9E3AEEF2B480}"/>
+              </a:ext>
+              <a:ext uri="{C183D7F6-B498-43B3-948B-1728B52AA6E4}">
+                <adec:decorative xmlns:adec="http://schemas.microsoft.com/office/drawing/2017/decorative" val="1"/>
+              </a:ext>
+            </a:extLst>
+          </p:cNvPr>
+          <p:cNvSpPr>
+            <a:spLocks noGrp="1" noRot="1" noChangeAspect="1" noMove="1" noResize="1" noEditPoints="1" noAdjustHandles="1" noChangeArrowheads="1" noChangeShapeType="1" noTextEdit="1"/>
+          </p:cNvSpPr>
+          <p:nvPr>
+            <p:extLst>
+              <p:ext uri="{386F3935-93C4-4BCD-93E2-E3B085C9AB24}">
+                <p16:designElem xmlns:p16="http://schemas.microsoft.com/office/powerpoint/2015/main" val="1"/>
+              </p:ext>
+            </p:extLst>
+          </p:nvPr>
+        </p:nvSpPr>
+        <p:spPr>
+          <a:xfrm>
+            <a:off x="4657345" y="0"/>
+            <a:ext cx="7533131" cy="6858000"/>
+          </a:xfrm>
+          <a:prstGeom prst="rect">
+            <a:avLst/>
+          </a:prstGeom>
+          <a:solidFill>
+            <a:schemeClr val="tx1"/>
+          </a:solidFill>
+          <a:ln>
+            <a:noFill/>
+          </a:ln>
+        </p:spPr>
+        <p:style>
+          <a:lnRef idx="2">
+            <a:schemeClr val="accent1">
+              <a:shade val="50000"/>
+            </a:schemeClr>
+          </a:lnRef>
+          <a:fillRef idx="1">
+            <a:schemeClr val="accent1"/>
+          </a:fillRef>
+          <a:effectRef idx="0">
+            <a:schemeClr val="accent1"/>
+          </a:effectRef>
+          <a:fontRef idx="minor">
+            <a:schemeClr val="lt1"/>
+          </a:fontRef>
+        </p:style>
+        <p:txBody>
+          <a:bodyPr rtlCol="0" anchor="ctr"/>
+          <a:lstStyle/>
+          <a:p>
+            <a:pPr algn="ctr"/>
+            <a:endParaRPr lang="en-US"/>
+          </a:p>
+        </p:txBody>
+      </p:sp>
+      <p:sp>
+        <p:nvSpPr>
+          <p:cNvPr id="2" name="Title 1">
+            <a:extLst>
+              <a:ext uri="{FF2B5EF4-FFF2-40B4-BE49-F238E27FC236}">
+                <a16:creationId xmlns:a16="http://schemas.microsoft.com/office/drawing/2014/main" id="{6B3CDC88-08F4-4637-916A-657F7E94F24A}"/>
+              </a:ext>
+            </a:extLst>
+          </p:cNvPr>
+          <p:cNvSpPr>
+            <a:spLocks noGrp="1"/>
+          </p:cNvSpPr>
+          <p:nvPr>
+            <p:ph type="title"/>
+          </p:nvPr>
+        </p:nvSpPr>
+        <p:spPr>
+          <a:xfrm>
+            <a:off x="4657345" y="643467"/>
+            <a:ext cx="7533131" cy="985308"/>
+          </a:xfrm>
+        </p:spPr>
+        <p:txBody>
+          <a:bodyPr>
+            <a:noAutofit/>
+          </a:bodyPr>
+          <a:lstStyle/>
+          <a:p>
+            <a:pPr algn="ctr"/>
+            <a:r>
+              <a:rPr lang="pl-PL" sz="5400" u="sng"/>
+              <a:t>Fun</a:t>
+            </a:r>
+            <a:r>
+              <a:rPr lang="pl-PL" sz="5400"/>
+              <a:t>ctions</a:t>
+            </a:r>
+            <a:endParaRPr lang="en-US" sz="5400"/>
+          </a:p>
+        </p:txBody>
+      </p:sp>
+      <p:sp>
+        <p:nvSpPr>
+          <p:cNvPr id="3" name="Content Placeholder 2">
+            <a:extLst>
+              <a:ext uri="{FF2B5EF4-FFF2-40B4-BE49-F238E27FC236}">
+                <a16:creationId xmlns:a16="http://schemas.microsoft.com/office/drawing/2014/main" id="{C83B0818-2002-4972-824B-7E6619539A95}"/>
+              </a:ext>
+            </a:extLst>
+          </p:cNvPr>
+          <p:cNvSpPr>
+            <a:spLocks noGrp="1"/>
+          </p:cNvSpPr>
+          <p:nvPr>
+            <p:ph idx="1"/>
+          </p:nvPr>
+        </p:nvSpPr>
+        <p:spPr>
+          <a:xfrm>
+            <a:off x="960119" y="643467"/>
+            <a:ext cx="3109151" cy="5571065"/>
+          </a:xfrm>
+        </p:spPr>
+        <p:txBody>
+          <a:bodyPr anchor="ctr">
+            <a:normAutofit/>
+          </a:bodyPr>
+          <a:lstStyle/>
+          <a:p>
+            <a:pPr>
+              <a:lnSpc>
+                <a:spcPct val="100000"/>
+              </a:lnSpc>
+            </a:pPr>
+            <a:r>
+              <a:rPr lang="en-US" sz="1800">
+                <a:solidFill>
+                  <a:schemeClr val="tx1">
+                    <a:lumMod val="85000"/>
+                    <a:lumOff val="15000"/>
+                  </a:schemeClr>
+                </a:solidFill>
+              </a:rPr>
+              <a:t>Can be passed as arguments to other functions</a:t>
+            </a:r>
+          </a:p>
+          <a:p>
+            <a:pPr>
+              <a:lnSpc>
+                <a:spcPct val="100000"/>
+              </a:lnSpc>
+            </a:pPr>
+            <a:r>
+              <a:rPr lang="en-US" sz="1800">
+                <a:solidFill>
+                  <a:schemeClr val="bg1">
+                    <a:lumMod val="75000"/>
+                  </a:schemeClr>
+                </a:solidFill>
+              </a:rPr>
+              <a:t>Can be returned as values from other functions</a:t>
+            </a:r>
+          </a:p>
+          <a:p>
+            <a:pPr>
+              <a:lnSpc>
+                <a:spcPct val="100000"/>
+              </a:lnSpc>
+            </a:pPr>
+            <a:r>
+              <a:rPr lang="en-US" sz="1800">
+                <a:solidFill>
+                  <a:schemeClr val="bg1">
+                    <a:lumMod val="75000"/>
+                  </a:schemeClr>
+                </a:solidFill>
+              </a:rPr>
+              <a:t>Can be assigned to variables</a:t>
+            </a:r>
+            <a:endParaRPr lang="pl-PL" sz="1800">
+              <a:solidFill>
+                <a:schemeClr val="bg1">
+                  <a:lumMod val="75000"/>
+                </a:schemeClr>
+              </a:solidFill>
+            </a:endParaRPr>
+          </a:p>
+          <a:p>
+            <a:pPr>
+              <a:lnSpc>
+                <a:spcPct val="100000"/>
+              </a:lnSpc>
+            </a:pPr>
+            <a:r>
+              <a:rPr lang="pl-PL" sz="1800">
+                <a:solidFill>
+                  <a:schemeClr val="bg1">
+                    <a:lumMod val="75000"/>
+                  </a:schemeClr>
+                </a:solidFill>
+              </a:rPr>
+              <a:t>Can be defined inside other functions</a:t>
+            </a:r>
+            <a:endParaRPr lang="en-US" sz="1800">
+              <a:solidFill>
+                <a:schemeClr val="bg1">
+                  <a:lumMod val="75000"/>
+                </a:schemeClr>
+              </a:solidFill>
+            </a:endParaRPr>
+          </a:p>
+          <a:p>
+            <a:pPr>
+              <a:lnSpc>
+                <a:spcPct val="100000"/>
+              </a:lnSpc>
+            </a:pPr>
+            <a:r>
+              <a:rPr lang="en-US" sz="1800">
+                <a:solidFill>
+                  <a:schemeClr val="bg1">
+                    <a:lumMod val="75000"/>
+                  </a:schemeClr>
+                </a:solidFill>
+              </a:rPr>
+              <a:t>Can be stored in data structures such as lists or dictionaries</a:t>
+            </a:r>
+            <a:endParaRPr lang="pl-PL" sz="1800">
+              <a:solidFill>
+                <a:schemeClr val="bg1">
+                  <a:lumMod val="75000"/>
+                </a:schemeClr>
+              </a:solidFill>
+            </a:endParaRPr>
+          </a:p>
+          <a:p>
+            <a:pPr>
+              <a:lnSpc>
+                <a:spcPct val="100000"/>
+              </a:lnSpc>
+            </a:pPr>
+            <a:r>
+              <a:rPr lang="pl-PL" sz="1800">
+                <a:solidFill>
+                  <a:schemeClr val="bg1">
+                    <a:lumMod val="75000"/>
+                  </a:schemeClr>
+                </a:solidFill>
+              </a:rPr>
+              <a:t>Varibles are references to objects</a:t>
+            </a:r>
+          </a:p>
+        </p:txBody>
+      </p:sp>
+      <p:pic>
+        <p:nvPicPr>
+          <p:cNvPr id="11" name="Picture 10">
+            <a:extLst>
+              <a:ext uri="{FF2B5EF4-FFF2-40B4-BE49-F238E27FC236}">
+                <a16:creationId xmlns:a16="http://schemas.microsoft.com/office/drawing/2014/main" id="{92CCB102-08D1-4A35-A228-237A0A79FB5A}"/>
+              </a:ext>
+            </a:extLst>
+          </p:cNvPr>
+          <p:cNvPicPr>
+            <a:picLocks noChangeAspect="1"/>
+          </p:cNvPicPr>
+          <p:nvPr/>
+        </p:nvPicPr>
+        <p:blipFill>
+          <a:blip r:embed="rId2"/>
+          <a:stretch>
+            <a:fillRect/>
+          </a:stretch>
+        </p:blipFill>
+        <p:spPr>
+          <a:xfrm>
+            <a:off x="5372758" y="1909469"/>
+            <a:ext cx="6324320" cy="3039059"/>
+          </a:xfrm>
+          <a:prstGeom prst="rect">
+            <a:avLst/>
+          </a:prstGeom>
+        </p:spPr>
+      </p:pic>
+    </p:spTree>
+    <p:extLst>
+      <p:ext uri="{BB962C8B-B14F-4D97-AF65-F5344CB8AC3E}">
+        <p14:creationId xmlns:p14="http://schemas.microsoft.com/office/powerpoint/2010/main" val="1876738975"/>
+      </p:ext>
+    </p:extLst>
+  </p:cSld>
+  <p:clrMapOvr>
+    <a:masterClrMapping/>
+  </p:clrMapOvr>
+</p:sld>
+</file>
+
+<file path=ppt/slides/slide30.xml><?xml version="1.0" encoding="utf-8"?>
 <p:sld xmlns:a="http://schemas.openxmlformats.org/drawingml/2006/main" xmlns:r="http://schemas.openxmlformats.org/officeDocument/2006/relationships" xmlns:p="http://schemas.openxmlformats.org/presentationml/2006/main">
   <p:cSld>
     <p:bg>
@@ -20912,391 +21525,6 @@
       <p:bldP spid="3" grpId="0"/>
     </p:bldLst>
   </p:timing>
-</p:sld>
-</file>
-
-<file path=ppt/slides/slide3.xml><?xml version="1.0" encoding="utf-8"?>
-<p:sld xmlns:a="http://schemas.openxmlformats.org/drawingml/2006/main" xmlns:r="http://schemas.openxmlformats.org/officeDocument/2006/relationships" xmlns:p="http://schemas.openxmlformats.org/presentationml/2006/main">
-  <p:cSld>
-    <p:bg>
-      <p:bgPr>
-        <a:solidFill>
-          <a:schemeClr val="bg1"/>
-        </a:solidFill>
-        <a:effectLst/>
-      </p:bgPr>
-    </p:bg>
-    <p:spTree>
-      <p:nvGrpSpPr>
-        <p:cNvPr id="1" name=""/>
-        <p:cNvGrpSpPr/>
-        <p:nvPr/>
-      </p:nvGrpSpPr>
-      <p:grpSpPr>
-        <a:xfrm>
-          <a:off x="0" y="0"/>
-          <a:ext cx="0" cy="0"/>
-          <a:chOff x="0" y="0"/>
-          <a:chExt cx="0" cy="0"/>
-        </a:xfrm>
-      </p:grpSpPr>
-      <p:sp useBgFill="1">
-        <p:nvSpPr>
-          <p:cNvPr id="8" name="Rectangle 7">
-            <a:extLst>
-              <a:ext uri="{FF2B5EF4-FFF2-40B4-BE49-F238E27FC236}">
-                <a16:creationId xmlns:a16="http://schemas.microsoft.com/office/drawing/2014/main" id="{EB6D1D7F-141C-4D8E-BFBA-D95B68E16385}"/>
-              </a:ext>
-              <a:ext uri="{C183D7F6-B498-43B3-948B-1728B52AA6E4}">
-                <adec:decorative xmlns:adec="http://schemas.microsoft.com/office/drawing/2017/decorative" val="1"/>
-              </a:ext>
-            </a:extLst>
-          </p:cNvPr>
-          <p:cNvSpPr>
-            <a:spLocks noGrp="1" noRot="1" noChangeAspect="1" noMove="1" noResize="1" noEditPoints="1" noAdjustHandles="1" noChangeArrowheads="1" noChangeShapeType="1" noTextEdit="1"/>
-          </p:cNvSpPr>
-          <p:nvPr>
-            <p:extLst>
-              <p:ext uri="{386F3935-93C4-4BCD-93E2-E3B085C9AB24}">
-                <p16:designElem xmlns:p16="http://schemas.microsoft.com/office/powerpoint/2015/main" val="1"/>
-              </p:ext>
-            </p:extLst>
-          </p:nvPr>
-        </p:nvSpPr>
-        <p:spPr>
-          <a:xfrm>
-            <a:off x="1524" y="0"/>
-            <a:ext cx="12188952" cy="6858000"/>
-          </a:xfrm>
-          <a:prstGeom prst="rect">
-            <a:avLst/>
-          </a:prstGeom>
-          <a:ln>
-            <a:noFill/>
-          </a:ln>
-        </p:spPr>
-        <p:style>
-          <a:lnRef idx="2">
-            <a:schemeClr val="accent1">
-              <a:shade val="50000"/>
-            </a:schemeClr>
-          </a:lnRef>
-          <a:fillRef idx="1">
-            <a:schemeClr val="accent1"/>
-          </a:fillRef>
-          <a:effectRef idx="0">
-            <a:schemeClr val="accent1"/>
-          </a:effectRef>
-          <a:fontRef idx="minor">
-            <a:schemeClr val="lt1"/>
-          </a:fontRef>
-        </p:style>
-        <p:txBody>
-          <a:bodyPr rtlCol="0" anchor="ctr"/>
-          <a:lstStyle/>
-          <a:p>
-            <a:pPr algn="ctr"/>
-            <a:endParaRPr lang="en-US"/>
-          </a:p>
-        </p:txBody>
-      </p:sp>
-      <p:sp>
-        <p:nvSpPr>
-          <p:cNvPr id="10" name="Rectangle 9">
-            <a:extLst>
-              <a:ext uri="{FF2B5EF4-FFF2-40B4-BE49-F238E27FC236}">
-                <a16:creationId xmlns:a16="http://schemas.microsoft.com/office/drawing/2014/main" id="{95E5AED1-65AD-42CA-A3F0-9E3AEEF2B480}"/>
-              </a:ext>
-              <a:ext uri="{C183D7F6-B498-43B3-948B-1728B52AA6E4}">
-                <adec:decorative xmlns:adec="http://schemas.microsoft.com/office/drawing/2017/decorative" val="1"/>
-              </a:ext>
-            </a:extLst>
-          </p:cNvPr>
-          <p:cNvSpPr>
-            <a:spLocks noGrp="1" noRot="1" noChangeAspect="1" noMove="1" noResize="1" noEditPoints="1" noAdjustHandles="1" noChangeArrowheads="1" noChangeShapeType="1" noTextEdit="1"/>
-          </p:cNvSpPr>
-          <p:nvPr>
-            <p:extLst>
-              <p:ext uri="{386F3935-93C4-4BCD-93E2-E3B085C9AB24}">
-                <p16:designElem xmlns:p16="http://schemas.microsoft.com/office/powerpoint/2015/main" val="1"/>
-              </p:ext>
-            </p:extLst>
-          </p:nvPr>
-        </p:nvSpPr>
-        <p:spPr>
-          <a:xfrm>
-            <a:off x="4657345" y="0"/>
-            <a:ext cx="7533131" cy="6858000"/>
-          </a:xfrm>
-          <a:prstGeom prst="rect">
-            <a:avLst/>
-          </a:prstGeom>
-          <a:solidFill>
-            <a:schemeClr val="tx1"/>
-          </a:solidFill>
-          <a:ln>
-            <a:noFill/>
-          </a:ln>
-        </p:spPr>
-        <p:style>
-          <a:lnRef idx="2">
-            <a:schemeClr val="accent1">
-              <a:shade val="50000"/>
-            </a:schemeClr>
-          </a:lnRef>
-          <a:fillRef idx="1">
-            <a:schemeClr val="accent1"/>
-          </a:fillRef>
-          <a:effectRef idx="0">
-            <a:schemeClr val="accent1"/>
-          </a:effectRef>
-          <a:fontRef idx="minor">
-            <a:schemeClr val="lt1"/>
-          </a:fontRef>
-        </p:style>
-        <p:txBody>
-          <a:bodyPr rtlCol="0" anchor="ctr"/>
-          <a:lstStyle/>
-          <a:p>
-            <a:pPr algn="ctr"/>
-            <a:endParaRPr lang="en-US"/>
-          </a:p>
-        </p:txBody>
-      </p:sp>
-      <p:sp>
-        <p:nvSpPr>
-          <p:cNvPr id="2" name="Title 1">
-            <a:extLst>
-              <a:ext uri="{FF2B5EF4-FFF2-40B4-BE49-F238E27FC236}">
-                <a16:creationId xmlns:a16="http://schemas.microsoft.com/office/drawing/2014/main" id="{6B3CDC88-08F4-4637-916A-657F7E94F24A}"/>
-              </a:ext>
-            </a:extLst>
-          </p:cNvPr>
-          <p:cNvSpPr>
-            <a:spLocks noGrp="1"/>
-          </p:cNvSpPr>
-          <p:nvPr>
-            <p:ph type="title"/>
-          </p:nvPr>
-        </p:nvSpPr>
-        <p:spPr>
-          <a:xfrm>
-            <a:off x="4657345" y="643467"/>
-            <a:ext cx="7533131" cy="985308"/>
-          </a:xfrm>
-        </p:spPr>
-        <p:txBody>
-          <a:bodyPr>
-            <a:noAutofit/>
-          </a:bodyPr>
-          <a:lstStyle/>
-          <a:p>
-            <a:pPr algn="ctr"/>
-            <a:r>
-              <a:rPr lang="pl-PL" sz="5400" u="sng"/>
-              <a:t>Fun</a:t>
-            </a:r>
-            <a:r>
-              <a:rPr lang="pl-PL" sz="5400"/>
-              <a:t>ctions</a:t>
-            </a:r>
-            <a:endParaRPr lang="en-US" sz="5400"/>
-          </a:p>
-        </p:txBody>
-      </p:sp>
-      <p:sp>
-        <p:nvSpPr>
-          <p:cNvPr id="3" name="Content Placeholder 2">
-            <a:extLst>
-              <a:ext uri="{FF2B5EF4-FFF2-40B4-BE49-F238E27FC236}">
-                <a16:creationId xmlns:a16="http://schemas.microsoft.com/office/drawing/2014/main" id="{C83B0818-2002-4972-824B-7E6619539A95}"/>
-              </a:ext>
-            </a:extLst>
-          </p:cNvPr>
-          <p:cNvSpPr>
-            <a:spLocks noGrp="1"/>
-          </p:cNvSpPr>
-          <p:nvPr>
-            <p:ph idx="1"/>
-          </p:nvPr>
-        </p:nvSpPr>
-        <p:spPr>
-          <a:xfrm>
-            <a:off x="960119" y="643467"/>
-            <a:ext cx="3109151" cy="5571065"/>
-          </a:xfrm>
-        </p:spPr>
-        <p:txBody>
-          <a:bodyPr anchor="ctr">
-            <a:normAutofit/>
-          </a:bodyPr>
-          <a:lstStyle/>
-          <a:p>
-            <a:pPr>
-              <a:lnSpc>
-                <a:spcPct val="100000"/>
-              </a:lnSpc>
-            </a:pPr>
-            <a:r>
-              <a:rPr lang="en-US" sz="1800">
-                <a:solidFill>
-                  <a:schemeClr val="tx1">
-                    <a:lumMod val="85000"/>
-                    <a:lumOff val="15000"/>
-                  </a:schemeClr>
-                </a:solidFill>
-              </a:rPr>
-              <a:t>Can be passed as arguments to other functions</a:t>
-            </a:r>
-          </a:p>
-          <a:p>
-            <a:pPr>
-              <a:lnSpc>
-                <a:spcPct val="100000"/>
-              </a:lnSpc>
-            </a:pPr>
-            <a:r>
-              <a:rPr lang="en-US" sz="1800">
-                <a:solidFill>
-                  <a:schemeClr val="bg1">
-                    <a:lumMod val="75000"/>
-                  </a:schemeClr>
-                </a:solidFill>
-              </a:rPr>
-              <a:t>Can be returned as values from other functions</a:t>
-            </a:r>
-          </a:p>
-          <a:p>
-            <a:pPr>
-              <a:lnSpc>
-                <a:spcPct val="100000"/>
-              </a:lnSpc>
-            </a:pPr>
-            <a:r>
-              <a:rPr lang="en-US" sz="1800">
-                <a:solidFill>
-                  <a:schemeClr val="bg1">
-                    <a:lumMod val="75000"/>
-                  </a:schemeClr>
-                </a:solidFill>
-              </a:rPr>
-              <a:t>Can be assigned to variables</a:t>
-            </a:r>
-            <a:endParaRPr lang="pl-PL" sz="1800">
-              <a:solidFill>
-                <a:schemeClr val="bg1">
-                  <a:lumMod val="75000"/>
-                </a:schemeClr>
-              </a:solidFill>
-            </a:endParaRPr>
-          </a:p>
-          <a:p>
-            <a:pPr>
-              <a:lnSpc>
-                <a:spcPct val="100000"/>
-              </a:lnSpc>
-            </a:pPr>
-            <a:r>
-              <a:rPr lang="pl-PL" sz="1800">
-                <a:solidFill>
-                  <a:schemeClr val="bg1">
-                    <a:lumMod val="75000"/>
-                  </a:schemeClr>
-                </a:solidFill>
-              </a:rPr>
-              <a:t>Can be defined inside other functions</a:t>
-            </a:r>
-            <a:endParaRPr lang="en-US" sz="1800">
-              <a:solidFill>
-                <a:schemeClr val="bg1">
-                  <a:lumMod val="75000"/>
-                </a:schemeClr>
-              </a:solidFill>
-            </a:endParaRPr>
-          </a:p>
-          <a:p>
-            <a:pPr>
-              <a:lnSpc>
-                <a:spcPct val="100000"/>
-              </a:lnSpc>
-            </a:pPr>
-            <a:r>
-              <a:rPr lang="en-US" sz="1800">
-                <a:solidFill>
-                  <a:schemeClr val="bg1">
-                    <a:lumMod val="75000"/>
-                  </a:schemeClr>
-                </a:solidFill>
-              </a:rPr>
-              <a:t>Can be stored in data structures such as lists or dictionaries</a:t>
-            </a:r>
-            <a:endParaRPr lang="pl-PL" sz="1800">
-              <a:solidFill>
-                <a:schemeClr val="bg1">
-                  <a:lumMod val="75000"/>
-                </a:schemeClr>
-              </a:solidFill>
-            </a:endParaRPr>
-          </a:p>
-          <a:p>
-            <a:pPr>
-              <a:lnSpc>
-                <a:spcPct val="100000"/>
-              </a:lnSpc>
-            </a:pPr>
-            <a:r>
-              <a:rPr lang="pl-PL" sz="1800">
-                <a:solidFill>
-                  <a:schemeClr val="bg1">
-                    <a:lumMod val="75000"/>
-                  </a:schemeClr>
-                </a:solidFill>
-              </a:rPr>
-              <a:t>Varibles are references to objects</a:t>
-            </a:r>
-          </a:p>
-        </p:txBody>
-      </p:sp>
-      <p:pic>
-        <p:nvPicPr>
-          <p:cNvPr id="11" name="Picture 10">
-            <a:extLst>
-              <a:ext uri="{FF2B5EF4-FFF2-40B4-BE49-F238E27FC236}">
-                <a16:creationId xmlns:a16="http://schemas.microsoft.com/office/drawing/2014/main" id="{92CCB102-08D1-4A35-A228-237A0A79FB5A}"/>
-              </a:ext>
-            </a:extLst>
-          </p:cNvPr>
-          <p:cNvPicPr>
-            <a:picLocks noChangeAspect="1"/>
-          </p:cNvPicPr>
-          <p:nvPr/>
-        </p:nvPicPr>
-        <p:blipFill>
-          <a:blip r:embed="rId2"/>
-          <a:stretch>
-            <a:fillRect/>
-          </a:stretch>
-        </p:blipFill>
-        <p:spPr>
-          <a:xfrm>
-            <a:off x="5372758" y="1909469"/>
-            <a:ext cx="6324320" cy="3039059"/>
-          </a:xfrm>
-          <a:prstGeom prst="rect">
-            <a:avLst/>
-          </a:prstGeom>
-        </p:spPr>
-      </p:pic>
-    </p:spTree>
-    <p:extLst>
-      <p:ext uri="{BB962C8B-B14F-4D97-AF65-F5344CB8AC3E}">
-        <p14:creationId xmlns:p14="http://schemas.microsoft.com/office/powerpoint/2010/main" val="1876738975"/>
-      </p:ext>
-    </p:extLst>
-  </p:cSld>
-  <p:clrMapOvr>
-    <a:masterClrMapping/>
-  </p:clrMapOvr>
 </p:sld>
 </file>
 
